--- a/Reading_Task_Report.pptx
+++ b/Reading_Task_Report.pptx
@@ -12591,20 +12591,14 @@
           </a:xfrm>
         </p:spPr>
         <p:txBody>
-          <a:bodyPr/>
+          <a:bodyPr>
+            <a:normAutofit fontScale="92500"/>
+          </a:bodyPr>
           <a:lstStyle/>
           <a:p>
             <a:r>
               <a:rPr lang="en-US" dirty="0"/>
-              <a:t>The aim of the paper is to define prominent axes of disparities in the Indian context, demonstrated biases across these axes,  create a stereotype annotated dataset  and propose a research agenda for </a:t>
-            </a:r>
-            <a:r>
-              <a:rPr lang="en-US" dirty="0" err="1"/>
-              <a:t>recontextualzing</a:t>
-            </a:r>
-            <a:r>
-              <a:rPr lang="en-US" dirty="0"/>
-              <a:t> fair AI research for the Indian context.</a:t>
+              <a:t>The aim of the paper is to define prominent axes of disparities in the Indian context, demonstrated biases across these axes,  create a stereotype annotated dataset  and propose a research agenda for recontextualizing fair AI research for the Indian context.</a:t>
             </a:r>
           </a:p>
           <a:p>
@@ -12616,21 +12610,36 @@
               <a:rPr lang="en-US" dirty="0"/>
             </a:br>
             <a:r>
+              <a:rPr lang="en-US" u="sng" dirty="0"/>
+              <a:t>Globally salient axes </a:t>
+            </a:r>
+            <a:r>
               <a:rPr lang="en-US" dirty="0"/>
-              <a:t>Globally salient axes : Gender, religion, ability, gender identity &amp; sexual orientation</a:t>
+              <a:t>: Gender, religion, ability, gender identity &amp; sexual orientation</a:t>
             </a:r>
             <a:br>
               <a:rPr lang="en-US" dirty="0"/>
             </a:br>
-            <a:r>
+            <a:br>
               <a:rPr lang="en-US" dirty="0"/>
-              <a:t>India specific: Region, caste</a:t>
-            </a:r>
-          </a:p>
-          <a:p>
+            </a:br>
+            <a:r>
+              <a:rPr lang="en-US" u="sng" dirty="0"/>
+              <a:t>India specific</a:t>
+            </a:r>
             <a:r>
               <a:rPr lang="en-US" dirty="0"/>
-              <a:t>Proxies are used for the axes : identity terms, names, dialect features</a:t>
+              <a:t>: Region, caste</a:t>
+            </a:r>
+            <a:br>
+              <a:rPr lang="en-US" dirty="0"/>
+            </a:br>
+            <a:endParaRPr lang="en-US" dirty="0"/>
+          </a:p>
+          <a:p>
+            <a:r>
+              <a:rPr lang="en-US" dirty="0"/>
+              <a:t>Proxies based on text are used for the axes : identity terms, names, dialect features</a:t>
             </a:r>
             <a:br>
               <a:rPr lang="en-US" dirty="0"/>
@@ -12735,26 +12744,385 @@
             </a:r>
           </a:p>
           <a:p>
+            <a:endParaRPr lang="en-US" dirty="0"/>
+          </a:p>
+          <a:p>
+            <a:endParaRPr lang="en-US" dirty="0"/>
+          </a:p>
+          <a:p>
+            <a:endParaRPr lang="en-US" dirty="0"/>
+          </a:p>
+          <a:p>
+            <a:endParaRPr lang="en-US" dirty="0"/>
+          </a:p>
+          <a:p>
+            <a:pPr marL="0" indent="0">
+              <a:buNone/>
+            </a:pPr>
+            <a:endParaRPr lang="en-US" dirty="0"/>
+          </a:p>
+          <a:p>
             <a:r>
               <a:rPr lang="en-US" dirty="0"/>
-              <a:t>A dataset which is annotated by a team of annotators is created. It has tuples of identity terms and tokens along with annotations of whether the tuple is a stereotype or not.</a:t>
-            </a:r>
-          </a:p>
-          <a:p>
-            <a:r>
-              <a:rPr lang="en-US" dirty="0"/>
-              <a:t>Corpus analysis and model analysis tests </a:t>
-            </a:r>
-            <a:r>
-              <a:rPr lang="en-US"/>
-              <a:t>were performed</a:t>
-            </a:r>
+              <a:t>These tests were able to demonstrate the stereotypical biases present in the models</a:t>
+            </a:r>
+          </a:p>
+          <a:p>
+            <a:endParaRPr lang="en-US" dirty="0"/>
           </a:p>
           <a:p>
             <a:endParaRPr lang="en-IN" dirty="0"/>
           </a:p>
         </p:txBody>
       </p:sp>
+      <p:graphicFrame>
+        <p:nvGraphicFramePr>
+          <p:cNvPr id="5" name="Table 4">
+            <a:extLst>
+              <a:ext uri="{FF2B5EF4-FFF2-40B4-BE49-F238E27FC236}">
+                <a16:creationId xmlns:a16="http://schemas.microsoft.com/office/drawing/2014/main" id="{964FCC2D-E1E9-D189-7D2D-D0B7B1CEB870}"/>
+              </a:ext>
+            </a:extLst>
+          </p:cNvPr>
+          <p:cNvGraphicFramePr>
+            <a:graphicFrameLocks noGrp="1"/>
+          </p:cNvGraphicFramePr>
+          <p:nvPr>
+            <p:extLst>
+              <p:ext uri="{D42A27DB-BD31-4B8C-83A1-F6EECF244321}">
+                <p14:modId xmlns:p14="http://schemas.microsoft.com/office/powerpoint/2010/main" val="2550938733"/>
+              </p:ext>
+            </p:extLst>
+          </p:nvPr>
+        </p:nvGraphicFramePr>
+        <p:xfrm>
+          <a:off x="1252512" y="1918046"/>
+          <a:ext cx="8128000" cy="2286000"/>
+        </p:xfrm>
+        <a:graphic>
+          <a:graphicData uri="http://schemas.openxmlformats.org/drawingml/2006/table">
+            <a:tbl>
+              <a:tblPr firstRow="1" bandRow="1">
+                <a:tableStyleId>{073A0DAA-6AF3-43AB-8588-CEC1D06C72B9}</a:tableStyleId>
+              </a:tblPr>
+              <a:tblGrid>
+                <a:gridCol w="2584970">
+                  <a:extLst>
+                    <a:ext uri="{9D8B030D-6E8A-4147-A177-3AD203B41FA5}">
+                      <a16:colId xmlns:a16="http://schemas.microsoft.com/office/drawing/2014/main" val="1146351733"/>
+                    </a:ext>
+                  </a:extLst>
+                </a:gridCol>
+                <a:gridCol w="1708879">
+                  <a:extLst>
+                    <a:ext uri="{9D8B030D-6E8A-4147-A177-3AD203B41FA5}">
+                      <a16:colId xmlns:a16="http://schemas.microsoft.com/office/drawing/2014/main" val="4157290196"/>
+                    </a:ext>
+                  </a:extLst>
+                </a:gridCol>
+                <a:gridCol w="1802151">
+                  <a:extLst>
+                    <a:ext uri="{9D8B030D-6E8A-4147-A177-3AD203B41FA5}">
+                      <a16:colId xmlns:a16="http://schemas.microsoft.com/office/drawing/2014/main" val="3849014913"/>
+                    </a:ext>
+                  </a:extLst>
+                </a:gridCol>
+                <a:gridCol w="2032000">
+                  <a:extLst>
+                    <a:ext uri="{9D8B030D-6E8A-4147-A177-3AD203B41FA5}">
+                      <a16:colId xmlns:a16="http://schemas.microsoft.com/office/drawing/2014/main" val="4176045971"/>
+                    </a:ext>
+                  </a:extLst>
+                </a:gridCol>
+              </a:tblGrid>
+              <a:tr h="0">
+                <a:tc>
+                  <a:txBody>
+                    <a:bodyPr/>
+                    <a:lstStyle/>
+                    <a:p>
+                      <a:r>
+                        <a:rPr lang="en-US" dirty="0"/>
+                        <a:t>Proxy</a:t>
+                      </a:r>
+                      <a:endParaRPr lang="en-IN" dirty="0"/>
+                    </a:p>
+                  </a:txBody>
+                  <a:tcPr/>
+                </a:tc>
+                <a:tc>
+                  <a:txBody>
+                    <a:bodyPr/>
+                    <a:lstStyle/>
+                    <a:p>
+                      <a:r>
+                        <a:rPr lang="en-US" dirty="0"/>
+                        <a:t>Model</a:t>
+                      </a:r>
+                      <a:endParaRPr lang="en-IN" dirty="0"/>
+                    </a:p>
+                  </a:txBody>
+                  <a:tcPr/>
+                </a:tc>
+                <a:tc>
+                  <a:txBody>
+                    <a:bodyPr/>
+                    <a:lstStyle/>
+                    <a:p>
+                      <a:r>
+                        <a:rPr lang="en-US" dirty="0"/>
+                        <a:t>Task</a:t>
+                      </a:r>
+                      <a:endParaRPr lang="en-IN" dirty="0"/>
+                    </a:p>
+                  </a:txBody>
+                  <a:tcPr/>
+                </a:tc>
+                <a:tc>
+                  <a:txBody>
+                    <a:bodyPr/>
+                    <a:lstStyle/>
+                    <a:p>
+                      <a:r>
+                        <a:rPr lang="en-US" dirty="0"/>
+                        <a:t>Test</a:t>
+                      </a:r>
+                      <a:endParaRPr lang="en-IN" dirty="0"/>
+                    </a:p>
+                  </a:txBody>
+                  <a:tcPr/>
+                </a:tc>
+                <a:extLst>
+                  <a:ext uri="{0D108BD9-81ED-4DB2-BD59-A6C34878D82A}">
+                    <a16:rowId xmlns:a16="http://schemas.microsoft.com/office/drawing/2014/main" val="3035348198"/>
+                  </a:ext>
+                </a:extLst>
+              </a:tr>
+              <a:tr h="370840">
+                <a:tc>
+                  <a:txBody>
+                    <a:bodyPr/>
+                    <a:lstStyle/>
+                    <a:p>
+                      <a:r>
+                        <a:rPr lang="en-US" dirty="0"/>
+                        <a:t>Identity terms (</a:t>
+                      </a:r>
+                      <a:r>
+                        <a:rPr lang="en-US" dirty="0" err="1"/>
+                        <a:t>IndicCorp</a:t>
+                      </a:r>
+                      <a:r>
+                        <a:rPr lang="en-US" dirty="0"/>
+                        <a:t>)</a:t>
+                      </a:r>
+                      <a:endParaRPr lang="en-IN" dirty="0"/>
+                    </a:p>
+                  </a:txBody>
+                  <a:tcPr/>
+                </a:tc>
+                <a:tc>
+                  <a:txBody>
+                    <a:bodyPr/>
+                    <a:lstStyle/>
+                    <a:p>
+                      <a:r>
+                        <a:rPr lang="en-US" dirty="0" err="1"/>
+                        <a:t>DistilBERT</a:t>
+                      </a:r>
+                      <a:endParaRPr lang="en-IN" dirty="0"/>
+                    </a:p>
+                  </a:txBody>
+                  <a:tcPr/>
+                </a:tc>
+                <a:tc>
+                  <a:txBody>
+                    <a:bodyPr/>
+                    <a:lstStyle/>
+                    <a:p>
+                      <a:r>
+                        <a:rPr lang="en-US" dirty="0"/>
+                        <a:t>Sentiment analysis</a:t>
+                      </a:r>
+                      <a:endParaRPr lang="en-IN" dirty="0"/>
+                    </a:p>
+                  </a:txBody>
+                  <a:tcPr/>
+                </a:tc>
+                <a:tc>
+                  <a:txBody>
+                    <a:bodyPr/>
+                    <a:lstStyle/>
+                    <a:p>
+                      <a:r>
+                        <a:rPr lang="en-US" dirty="0"/>
+                        <a:t>Perturbation sensitivity analysis</a:t>
+                      </a:r>
+                      <a:endParaRPr lang="en-IN" dirty="0"/>
+                    </a:p>
+                  </a:txBody>
+                  <a:tcPr/>
+                </a:tc>
+                <a:extLst>
+                  <a:ext uri="{0D108BD9-81ED-4DB2-BD59-A6C34878D82A}">
+                    <a16:rowId xmlns:a16="http://schemas.microsoft.com/office/drawing/2014/main" val="1707462201"/>
+                  </a:ext>
+                </a:extLst>
+              </a:tr>
+              <a:tr h="370840">
+                <a:tc>
+                  <a:txBody>
+                    <a:bodyPr/>
+                    <a:lstStyle/>
+                    <a:p>
+                      <a:r>
+                        <a:rPr lang="en-US" dirty="0"/>
+                        <a:t>Names (Wikipedia)</a:t>
+                      </a:r>
+                      <a:endParaRPr lang="en-IN" dirty="0"/>
+                    </a:p>
+                  </a:txBody>
+                  <a:tcPr/>
+                </a:tc>
+                <a:tc>
+                  <a:txBody>
+                    <a:bodyPr/>
+                    <a:lstStyle/>
+                    <a:p>
+                      <a:r>
+                        <a:rPr lang="en-US" dirty="0"/>
+                        <a:t>MURIL, </a:t>
+                      </a:r>
+                      <a:r>
+                        <a:rPr lang="en-US" dirty="0" err="1"/>
+                        <a:t>mBERT</a:t>
+                      </a:r>
+                      <a:endParaRPr lang="en-IN" dirty="0"/>
+                    </a:p>
+                  </a:txBody>
+                  <a:tcPr/>
+                </a:tc>
+                <a:tc>
+                  <a:txBody>
+                    <a:bodyPr/>
+                    <a:lstStyle/>
+                    <a:p>
+                      <a:r>
+                        <a:rPr lang="en-US" dirty="0"/>
+                        <a:t>Masked word prediction</a:t>
+                      </a:r>
+                      <a:endParaRPr lang="en-IN" dirty="0"/>
+                    </a:p>
+                  </a:txBody>
+                  <a:tcPr/>
+                </a:tc>
+                <a:tc>
+                  <a:txBody>
+                    <a:bodyPr/>
+                    <a:lstStyle/>
+                    <a:p>
+                      <a:pPr marL="0" marR="0" lvl="0" indent="0" algn="l" defTabSz="914400" rtl="0" eaLnBrk="1" fontAlgn="auto" latinLnBrk="0" hangingPunct="1">
+                        <a:lnSpc>
+                          <a:spcPct val="100000"/>
+                        </a:lnSpc>
+                        <a:spcBef>
+                          <a:spcPts val="0"/>
+                        </a:spcBef>
+                        <a:spcAft>
+                          <a:spcPts val="0"/>
+                        </a:spcAft>
+                        <a:buClrTx/>
+                        <a:buSzTx/>
+                        <a:buFontTx/>
+                        <a:buNone/>
+                        <a:tabLst/>
+                        <a:defRPr/>
+                      </a:pPr>
+                      <a:r>
+                        <a:rPr lang="en-US" dirty="0" err="1"/>
+                        <a:t>DisCo</a:t>
+                      </a:r>
+                      <a:endParaRPr lang="en-IN" dirty="0"/>
+                    </a:p>
+                    <a:p>
+                      <a:endParaRPr lang="en-IN" dirty="0"/>
+                    </a:p>
+                  </a:txBody>
+                  <a:tcPr/>
+                </a:tc>
+                <a:extLst>
+                  <a:ext uri="{0D108BD9-81ED-4DB2-BD59-A6C34878D82A}">
+                    <a16:rowId xmlns:a16="http://schemas.microsoft.com/office/drawing/2014/main" val="3860719785"/>
+                  </a:ext>
+                </a:extLst>
+              </a:tr>
+              <a:tr h="370840">
+                <a:tc>
+                  <a:txBody>
+                    <a:bodyPr/>
+                    <a:lstStyle/>
+                    <a:p>
+                      <a:r>
+                        <a:rPr lang="en-US" dirty="0"/>
+                        <a:t>Dialect Features (minimal pairs dataset)</a:t>
+                      </a:r>
+                      <a:endParaRPr lang="en-IN" dirty="0"/>
+                    </a:p>
+                  </a:txBody>
+                  <a:tcPr/>
+                </a:tc>
+                <a:tc>
+                  <a:txBody>
+                    <a:bodyPr/>
+                    <a:lstStyle/>
+                    <a:p>
+                      <a:r>
+                        <a:rPr lang="en-US" dirty="0" err="1"/>
+                        <a:t>DistilBERT</a:t>
+                      </a:r>
+                      <a:endParaRPr lang="en-IN" dirty="0"/>
+                    </a:p>
+                  </a:txBody>
+                  <a:tcPr/>
+                </a:tc>
+                <a:tc>
+                  <a:txBody>
+                    <a:bodyPr/>
+                    <a:lstStyle/>
+                    <a:p>
+                      <a:r>
+                        <a:rPr lang="en-US" dirty="0"/>
+                        <a:t>Sentiment analysis</a:t>
+                      </a:r>
+                      <a:endParaRPr lang="en-IN" dirty="0"/>
+                    </a:p>
+                  </a:txBody>
+                  <a:tcPr/>
+                </a:tc>
+                <a:tc>
+                  <a:txBody>
+                    <a:bodyPr/>
+                    <a:lstStyle/>
+                    <a:p>
+                      <a:r>
+                        <a:rPr lang="en-US" dirty="0"/>
+                        <a:t>Perturbation sensitivity analysis</a:t>
+                      </a:r>
+                      <a:endParaRPr lang="en-IN" dirty="0"/>
+                    </a:p>
+                  </a:txBody>
+                  <a:tcPr/>
+                </a:tc>
+                <a:extLst>
+                  <a:ext uri="{0D108BD9-81ED-4DB2-BD59-A6C34878D82A}">
+                    <a16:rowId xmlns:a16="http://schemas.microsoft.com/office/drawing/2014/main" val="318024803"/>
+                  </a:ext>
+                </a:extLst>
+              </a:tr>
+            </a:tbl>
+          </a:graphicData>
+        </a:graphic>
+      </p:graphicFrame>
     </p:spTree>
     <p:extLst>
       <p:ext uri="{BB962C8B-B14F-4D97-AF65-F5344CB8AC3E}">
@@ -12844,6 +13212,101 @@
         <p:txBody>
           <a:bodyPr/>
           <a:lstStyle/>
+          <a:p>
+            <a:r>
+              <a:rPr lang="en-US" dirty="0"/>
+              <a:t>A dataset which is annotated by a team of annotators (three to six) is created. It has tuples of identity terms and tokens along with annotations of whether the tuple is a stereotype or not. This was done for region and religion axes.</a:t>
+            </a:r>
+            <a:br>
+              <a:rPr lang="en-US" dirty="0"/>
+            </a:br>
+            <a:r>
+              <a:rPr lang="en-US" dirty="0"/>
+              <a:t>Data used to extract tuples : </a:t>
+            </a:r>
+            <a:r>
+              <a:rPr lang="en-US" dirty="0" err="1"/>
+              <a:t>IndicCorp-en</a:t>
+            </a:r>
+            <a:endParaRPr lang="en-US" dirty="0"/>
+          </a:p>
+          <a:p>
+            <a:r>
+              <a:rPr lang="en-US" dirty="0"/>
+              <a:t>Corpus analysis and model analysis tests were performed using this dataset.</a:t>
+            </a:r>
+          </a:p>
+          <a:p>
+            <a:r>
+              <a:rPr lang="en-US" u="sng" dirty="0"/>
+              <a:t>Corpus analysis:</a:t>
+            </a:r>
+            <a:br>
+              <a:rPr lang="en-US" dirty="0"/>
+            </a:br>
+            <a:r>
+              <a:rPr lang="en-US" dirty="0"/>
+              <a:t>Data used: </a:t>
+            </a:r>
+            <a:r>
+              <a:rPr lang="en-US" dirty="0" err="1"/>
+              <a:t>IndicCorp-en</a:t>
+            </a:r>
+            <a:r>
+              <a:rPr lang="en-US" dirty="0"/>
+              <a:t>, Wikipedia</a:t>
+            </a:r>
+            <a:br>
+              <a:rPr lang="en-US" dirty="0"/>
+            </a:br>
+            <a:r>
+              <a:rPr lang="en-US" dirty="0"/>
+              <a:t> cooccurrence count of the tuples was proportional to the number of annotators.</a:t>
+            </a:r>
+          </a:p>
+          <a:p>
+            <a:r>
+              <a:rPr lang="en-US" u="sng" dirty="0"/>
+              <a:t>Model analysis:</a:t>
+            </a:r>
+            <a:br>
+              <a:rPr lang="en-US" dirty="0"/>
+            </a:br>
+            <a:r>
+              <a:rPr lang="en-US" dirty="0"/>
+              <a:t>Model : MURIL, </a:t>
+            </a:r>
+            <a:r>
+              <a:rPr lang="en-US" dirty="0" err="1"/>
+              <a:t>mBERT</a:t>
+            </a:r>
+            <a:r>
+              <a:rPr lang="en-US" dirty="0"/>
+              <a:t>, task : mask prediction</a:t>
+            </a:r>
+            <a:br>
+              <a:rPr lang="en-US" dirty="0"/>
+            </a:br>
+            <a:r>
+              <a:rPr lang="en-US" dirty="0"/>
+              <a:t>cooccurrence count of the tuples was proportional to the number of annotators.</a:t>
+            </a:r>
+          </a:p>
+          <a:p>
+            <a:endParaRPr lang="en-IN" dirty="0"/>
+          </a:p>
+          <a:p>
+            <a:pPr marL="0" indent="0">
+              <a:buNone/>
+            </a:pPr>
+            <a:endParaRPr lang="en-US" dirty="0"/>
+          </a:p>
+          <a:p>
+            <a:endParaRPr lang="en-US" dirty="0"/>
+          </a:p>
+          <a:p>
+            <a:endParaRPr lang="en-US" dirty="0"/>
+          </a:p>
           <a:p>
             <a:endParaRPr lang="en-IN" dirty="0"/>
           </a:p>
@@ -12947,7 +13410,7 @@
           <a:p>
             <a:r>
               <a:rPr lang="en-US" dirty="0"/>
-              <a:t>Using names as proxies for mapping Gender is a good idea</a:t>
+              <a:t>Using names as proxies for mapping Gender is a good idea </a:t>
             </a:r>
           </a:p>
           <a:p>
@@ -13204,7 +13667,15 @@
           <a:p>
             <a:r>
               <a:rPr lang="en-US" dirty="0"/>
-              <a:t>Expanding the axes of the dataset to Gender, sexuality, etc.</a:t>
+              <a:t>Expanding the axes of the dataset </a:t>
+            </a:r>
+            <a:r>
+              <a:rPr lang="en-US"/>
+              <a:t>to gender</a:t>
+            </a:r>
+            <a:r>
+              <a:rPr lang="en-US" dirty="0"/>
+              <a:t>, sexuality, etc.</a:t>
             </a:r>
           </a:p>
           <a:p>
